--- a/presentation/Final_Presentation _Team 9.pptx
+++ b/presentation/Final_Presentation _Team 9.pptx
@@ -5779,7 +5779,7 @@
             </a:ln>
             <a:extLst>
               <a:ext uri="{91240B29-F687-4f45-9708-019B960494DF}">
-                <a14:hiddenLine xmlns="" xmlns:a14="http://schemas.microsoft.com/office/drawing/2010/main" w="9525">
+                <a14:hiddenLine xmlns:a14="http://schemas.microsoft.com/office/drawing/2010/main" xmlns="" w="9525">
                   <a:solidFill>
                     <a:srgbClr val="000000"/>
                   </a:solidFill>
@@ -5977,7 +5977,7 @@
             <a:fld id="{530820CF-B880-4189-942D-D702A7CBA730}" type="datetimeFigureOut">
               <a:rPr lang="zh-CN" altLang="en-US" smtClean="0"/>
               <a:pPr/>
-              <a:t>2018/4/23</a:t>
+              <a:t>2018/4/24</a:t>
             </a:fld>
             <a:endParaRPr lang="zh-CN" altLang="en-US"/>
           </a:p>
@@ -6862,7 +6862,7 @@
             </a:ln>
             <a:extLst>
               <a:ext uri="{91240B29-F687-4f45-9708-019B960494DF}">
-                <a14:hiddenLine xmlns="" xmlns:a14="http://schemas.microsoft.com/office/drawing/2010/main" w="9525">
+                <a14:hiddenLine xmlns:a14="http://schemas.microsoft.com/office/drawing/2010/main" xmlns="" w="9525">
                   <a:solidFill>
                     <a:srgbClr val="000000"/>
                   </a:solidFill>
@@ -7080,7 +7080,7 @@
             <a:fld id="{530820CF-B880-4189-942D-D702A7CBA730}" type="datetimeFigureOut">
               <a:rPr lang="zh-CN" altLang="en-US" smtClean="0"/>
               <a:pPr/>
-              <a:t>2018/4/23</a:t>
+              <a:t>2018/4/24</a:t>
             </a:fld>
             <a:endParaRPr lang="zh-CN" altLang="en-US"/>
           </a:p>
@@ -7950,7 +7950,7 @@
             </a:ln>
             <a:extLst>
               <a:ext uri="{91240B29-F687-4f45-9708-019B960494DF}">
-                <a14:hiddenLine xmlns="" xmlns:a14="http://schemas.microsoft.com/office/drawing/2010/main" w="9525">
+                <a14:hiddenLine xmlns:a14="http://schemas.microsoft.com/office/drawing/2010/main" xmlns="" w="9525">
                   <a:solidFill>
                     <a:srgbClr val="000000"/>
                   </a:solidFill>
@@ -8080,7 +8080,7 @@
             <a:fld id="{530820CF-B880-4189-942D-D702A7CBA730}" type="datetimeFigureOut">
               <a:rPr lang="zh-CN" altLang="en-US" smtClean="0"/>
               <a:pPr/>
-              <a:t>2018/4/23</a:t>
+              <a:t>2018/4/24</a:t>
             </a:fld>
             <a:endParaRPr lang="zh-CN" altLang="en-US"/>
           </a:p>
@@ -8913,7 +8913,7 @@
             </a:ln>
             <a:extLst>
               <a:ext uri="{91240B29-F687-4f45-9708-019B960494DF}">
-                <a14:hiddenLine xmlns="" xmlns:a14="http://schemas.microsoft.com/office/drawing/2010/main" w="9525">
+                <a14:hiddenLine xmlns:a14="http://schemas.microsoft.com/office/drawing/2010/main" xmlns="" w="9525">
                   <a:solidFill>
                     <a:srgbClr val="000000"/>
                   </a:solidFill>
@@ -9197,7 +9197,7 @@
             <a:fld id="{530820CF-B880-4189-942D-D702A7CBA730}" type="datetimeFigureOut">
               <a:rPr lang="zh-CN" altLang="en-US" smtClean="0"/>
               <a:pPr/>
-              <a:t>2018/4/23</a:t>
+              <a:t>2018/4/24</a:t>
             </a:fld>
             <a:endParaRPr lang="zh-CN" altLang="en-US"/>
           </a:p>
@@ -10030,7 +10030,7 @@
             </a:ln>
             <a:extLst>
               <a:ext uri="{91240B29-F687-4f45-9708-019B960494DF}">
-                <a14:hiddenLine xmlns="" xmlns:a14="http://schemas.microsoft.com/office/drawing/2010/main" w="9525">
+                <a14:hiddenLine xmlns:a14="http://schemas.microsoft.com/office/drawing/2010/main" xmlns="" w="9525">
                   <a:solidFill>
                     <a:srgbClr val="000000"/>
                   </a:solidFill>
@@ -10213,7 +10213,7 @@
             <a:fld id="{530820CF-B880-4189-942D-D702A7CBA730}" type="datetimeFigureOut">
               <a:rPr lang="zh-CN" altLang="en-US" smtClean="0"/>
               <a:pPr/>
-              <a:t>2018/4/23</a:t>
+              <a:t>2018/4/24</a:t>
             </a:fld>
             <a:endParaRPr lang="zh-CN" altLang="en-US"/>
           </a:p>
@@ -10887,7 +10887,7 @@
             <a:fld id="{530820CF-B880-4189-942D-D702A7CBA730}" type="datetimeFigureOut">
               <a:rPr lang="zh-CN" altLang="en-US" smtClean="0"/>
               <a:pPr/>
-              <a:t>2018/4/23</a:t>
+              <a:t>2018/4/24</a:t>
             </a:fld>
             <a:endParaRPr lang="zh-CN" altLang="en-US"/>
           </a:p>
@@ -11762,7 +11762,7 @@
             <a:fld id="{530820CF-B880-4189-942D-D702A7CBA730}" type="datetimeFigureOut">
               <a:rPr lang="zh-CN" altLang="en-US" smtClean="0"/>
               <a:pPr/>
-              <a:t>2018/4/23</a:t>
+              <a:t>2018/4/24</a:t>
             </a:fld>
             <a:endParaRPr lang="zh-CN" altLang="en-US"/>
           </a:p>
@@ -11951,7 +11951,7 @@
             <a:fld id="{530820CF-B880-4189-942D-D702A7CBA730}" type="datetimeFigureOut">
               <a:rPr lang="zh-CN" altLang="en-US" smtClean="0"/>
               <a:pPr/>
-              <a:t>2018/4/23</a:t>
+              <a:t>2018/4/24</a:t>
             </a:fld>
             <a:endParaRPr lang="zh-CN" altLang="en-US"/>
           </a:p>
@@ -12787,7 +12787,7 @@
           </a:ln>
           <a:extLst>
             <a:ext uri="{91240B29-F687-4f45-9708-019B960494DF}">
-              <a14:hiddenLine xmlns="" xmlns:a14="http://schemas.microsoft.com/office/drawing/2010/main" w="9525">
+              <a14:hiddenLine xmlns:a14="http://schemas.microsoft.com/office/drawing/2010/main" xmlns="" w="9525">
                 <a:solidFill>
                   <a:srgbClr val="000000"/>
                 </a:solidFill>
@@ -12902,7 +12902,7 @@
             <a:fld id="{530820CF-B880-4189-942D-D702A7CBA730}" type="datetimeFigureOut">
               <a:rPr lang="zh-CN" altLang="en-US" smtClean="0"/>
               <a:pPr/>
-              <a:t>2018/4/23</a:t>
+              <a:t>2018/4/24</a:t>
             </a:fld>
             <a:endParaRPr lang="zh-CN" altLang="en-US"/>
           </a:p>
@@ -13136,7 +13136,7 @@
             <a:fld id="{530820CF-B880-4189-942D-D702A7CBA730}" type="datetimeFigureOut">
               <a:rPr lang="zh-CN" altLang="en-US" smtClean="0"/>
               <a:pPr/>
-              <a:t>2018/4/23</a:t>
+              <a:t>2018/4/24</a:t>
             </a:fld>
             <a:endParaRPr lang="zh-CN" altLang="en-US"/>
           </a:p>
@@ -13966,7 +13966,7 @@
             </a:ln>
             <a:extLst>
               <a:ext uri="{91240B29-F687-4f45-9708-019B960494DF}">
-                <a14:hiddenLine xmlns="" xmlns:a14="http://schemas.microsoft.com/office/drawing/2010/main" w="9525">
+                <a14:hiddenLine xmlns:a14="http://schemas.microsoft.com/office/drawing/2010/main" xmlns="" w="9525">
                   <a:solidFill>
                     <a:srgbClr val="000000"/>
                   </a:solidFill>
@@ -14149,7 +14149,7 @@
             <a:fld id="{530820CF-B880-4189-942D-D702A7CBA730}" type="datetimeFigureOut">
               <a:rPr lang="zh-CN" altLang="en-US" smtClean="0"/>
               <a:pPr/>
-              <a:t>2018/4/23</a:t>
+              <a:t>2018/4/24</a:t>
             </a:fld>
             <a:endParaRPr lang="zh-CN" altLang="en-US"/>
           </a:p>
@@ -14435,7 +14435,7 @@
             <a:fld id="{530820CF-B880-4189-942D-D702A7CBA730}" type="datetimeFigureOut">
               <a:rPr lang="zh-CN" altLang="en-US" smtClean="0"/>
               <a:pPr/>
-              <a:t>2018/4/23</a:t>
+              <a:t>2018/4/24</a:t>
             </a:fld>
             <a:endParaRPr lang="zh-CN" altLang="en-US"/>
           </a:p>
@@ -14837,7 +14837,7 @@
             <a:fld id="{530820CF-B880-4189-942D-D702A7CBA730}" type="datetimeFigureOut">
               <a:rPr lang="zh-CN" altLang="en-US" smtClean="0"/>
               <a:pPr/>
-              <a:t>2018/4/23</a:t>
+              <a:t>2018/4/24</a:t>
             </a:fld>
             <a:endParaRPr lang="zh-CN" altLang="en-US"/>
           </a:p>
@@ -14969,7 +14969,7 @@
             <a:fld id="{530820CF-B880-4189-942D-D702A7CBA730}" type="datetimeFigureOut">
               <a:rPr lang="zh-CN" altLang="en-US" smtClean="0"/>
               <a:pPr/>
-              <a:t>2018/4/23</a:t>
+              <a:t>2018/4/24</a:t>
             </a:fld>
             <a:endParaRPr lang="zh-CN" altLang="en-US"/>
           </a:p>
@@ -15114,7 +15114,7 @@
             <a:fld id="{530820CF-B880-4189-942D-D702A7CBA730}" type="datetimeFigureOut">
               <a:rPr lang="zh-CN" altLang="en-US" smtClean="0"/>
               <a:pPr/>
-              <a:t>2018/4/23</a:t>
+              <a:t>2018/4/24</a:t>
             </a:fld>
             <a:endParaRPr lang="zh-CN" altLang="en-US"/>
           </a:p>
@@ -15944,7 +15944,7 @@
             </a:ln>
             <a:extLst>
               <a:ext uri="{91240B29-F687-4f45-9708-019B960494DF}">
-                <a14:hiddenLine xmlns="" xmlns:a14="http://schemas.microsoft.com/office/drawing/2010/main" w="9525">
+                <a14:hiddenLine xmlns:a14="http://schemas.microsoft.com/office/drawing/2010/main" xmlns="" w="9525">
                   <a:solidFill>
                     <a:srgbClr val="000000"/>
                   </a:solidFill>
@@ -16138,7 +16138,7 @@
             <a:fld id="{530820CF-B880-4189-942D-D702A7CBA730}" type="datetimeFigureOut">
               <a:rPr lang="zh-CN" altLang="en-US" smtClean="0"/>
               <a:pPr/>
-              <a:t>2018/4/23</a:t>
+              <a:t>2018/4/24</a:t>
             </a:fld>
             <a:endParaRPr lang="zh-CN" altLang="en-US"/>
           </a:p>
@@ -17004,7 +17004,7 @@
             </a:ln>
             <a:extLst>
               <a:ext uri="{91240B29-F687-4f45-9708-019B960494DF}">
-                <a14:hiddenLine xmlns="" xmlns:a14="http://schemas.microsoft.com/office/drawing/2010/main" w="9525">
+                <a14:hiddenLine xmlns:a14="http://schemas.microsoft.com/office/drawing/2010/main" xmlns="" w="9525">
                   <a:solidFill>
                     <a:srgbClr val="000000"/>
                   </a:solidFill>
@@ -17222,7 +17222,7 @@
             <a:fld id="{530820CF-B880-4189-942D-D702A7CBA730}" type="datetimeFigureOut">
               <a:rPr lang="zh-CN" altLang="en-US" smtClean="0"/>
               <a:pPr/>
-              <a:t>2018/4/23</a:t>
+              <a:t>2018/4/24</a:t>
             </a:fld>
             <a:endParaRPr lang="zh-CN" altLang="en-US"/>
           </a:p>
@@ -18056,7 +18056,7 @@
             </a:ln>
             <a:extLst>
               <a:ext uri="{91240B29-F687-4f45-9708-019B960494DF}">
-                <a14:hiddenLine xmlns="" xmlns:a14="http://schemas.microsoft.com/office/drawing/2010/main" w="9525">
+                <a14:hiddenLine xmlns:a14="http://schemas.microsoft.com/office/drawing/2010/main" xmlns="" w="9525">
                   <a:solidFill>
                     <a:srgbClr val="000000"/>
                   </a:solidFill>
@@ -18198,7 +18198,7 @@
             <a:fld id="{530820CF-B880-4189-942D-D702A7CBA730}" type="datetimeFigureOut">
               <a:rPr lang="zh-CN" altLang="en-US" smtClean="0"/>
               <a:pPr/>
-              <a:t>2018/4/23</a:t>
+              <a:t>2018/4/24</a:t>
             </a:fld>
             <a:endParaRPr lang="zh-CN" altLang="en-US"/>
           </a:p>
@@ -23097,6 +23097,16 @@
                 <a:ea typeface="Tahoma" panose="020B0604030504040204" pitchFamily="34" charset="0"/>
                 <a:cs typeface="Tahoma" panose="020B0604030504040204" pitchFamily="34" charset="0"/>
               </a:rPr>
+              <a:t>Using python to get the data which we want to get</a:t>
+            </a:r>
+          </a:p>
+          <a:p>
+            <a:r>
+              <a:rPr lang="en-US" b="1" dirty="0">
+                <a:latin typeface="Tahoma" panose="020B0604030504040204" pitchFamily="34" charset="0"/>
+                <a:ea typeface="Tahoma" panose="020B0604030504040204" pitchFamily="34" charset="0"/>
+                <a:cs typeface="Tahoma" panose="020B0604030504040204" pitchFamily="34" charset="0"/>
+              </a:rPr>
               <a:t>3700 record dataset containing weather information of London city</a:t>
             </a:r>
           </a:p>
@@ -23130,8 +23140,8 @@
         </p:blipFill>
         <p:spPr>
           <a:xfrm>
-            <a:off x="1043608" y="4077072"/>
-            <a:ext cx="7247248" cy="2420888"/>
+            <a:off x="873510" y="4941168"/>
+            <a:ext cx="7247248" cy="1556792"/>
           </a:xfrm>
           <a:prstGeom prst="rect">
             <a:avLst/>

--- a/presentation/Final_Presentation _Team 9.pptx
+++ b/presentation/Final_Presentation _Team 9.pptx
@@ -135,10 +135,6 @@
     </p:ext>
   </p:extLst>
 </p:presentation>
-</file>
-
-<file path=ppt/revisionInfo.xml><?xml version="1.0" encoding="utf-8"?>
-<p1510:revInfo xmlns:a="http://schemas.openxmlformats.org/drawingml/2006/main" xmlns:r="http://schemas.openxmlformats.org/officeDocument/2006/relationships" xmlns:p1510="http://schemas.microsoft.com/office/powerpoint/2015/10/main"/>
 </file>
 
 <file path=ppt/diagrams/colors1.xml><?xml version="1.0" encoding="utf-8"?>
@@ -19521,7 +19517,7 @@
           <a:p>
             <a:r>
               <a:rPr lang="en-US" altLang="zh-CN" dirty="0"/>
-              <a:t>Accuracy of average weather condition in a week</a:t>
+              <a:t>Accuracy of average weather condition for the test dataset</a:t>
             </a:r>
             <a:endParaRPr lang="zh-CN" altLang="en-US" dirty="0"/>
           </a:p>
@@ -19700,48 +19696,6 @@
           <a:chExt cx="0" cy="0"/>
         </a:xfrm>
       </p:grpSpPr>
-      <p:sp>
-        <p:nvSpPr>
-          <p:cNvPr id="2" name="Title 1">
-            <a:extLst>
-              <a:ext uri="{FF2B5EF4-FFF2-40B4-BE49-F238E27FC236}">
-                <a16:creationId xmlns:a16="http://schemas.microsoft.com/office/drawing/2014/main" id="{CF21AD5C-C678-4325-84E3-081CB39D8D20}"/>
-              </a:ext>
-            </a:extLst>
-          </p:cNvPr>
-          <p:cNvSpPr>
-            <a:spLocks noGrp="1"/>
-          </p:cNvSpPr>
-          <p:nvPr>
-            <p:ph type="title"/>
-          </p:nvPr>
-        </p:nvSpPr>
-        <p:spPr>
-          <a:xfrm>
-            <a:off x="6120579" y="1113062"/>
-            <a:ext cx="2536723" cy="3281957"/>
-          </a:xfrm>
-        </p:spPr>
-        <p:txBody>
-          <a:bodyPr vert="horz" lIns="91440" tIns="45720" rIns="91440" bIns="45720" rtlCol="0" anchor="b">
-            <a:normAutofit/>
-          </a:bodyPr>
-          <a:lstStyle/>
-          <a:p>
-            <a:r>
-              <a:rPr lang="en-US" sz="3800" b="0" i="0" kern="1200">
-                <a:solidFill>
-                  <a:srgbClr val="EBEBEB"/>
-                </a:solidFill>
-                <a:latin typeface="+mj-lt"/>
-                <a:ea typeface="+mj-ea"/>
-                <a:cs typeface="+mj-cs"/>
-              </a:rPr>
-              <a:t>Accuracy</a:t>
-            </a:r>
-          </a:p>
-        </p:txBody>
-      </p:sp>
       <p:pic>
         <p:nvPicPr>
           <p:cNvPr id="6" name="内容占位符 5">
@@ -19772,8 +19726,8 @@
         </p:blipFill>
         <p:spPr>
           <a:xfrm>
-            <a:off x="624136" y="1988840"/>
-            <a:ext cx="6730010" cy="4181844"/>
+            <a:off x="467544" y="1430949"/>
+            <a:ext cx="6953670" cy="4320820"/>
           </a:xfrm>
         </p:spPr>
       </p:pic>
@@ -19805,7 +19759,7 @@
         </p:blipFill>
         <p:spPr>
           <a:xfrm>
-            <a:off x="650302" y="4990186"/>
+            <a:off x="712135" y="4402912"/>
             <a:ext cx="7719729" cy="1348857"/>
           </a:xfrm>
           <a:prstGeom prst="rect">
@@ -19813,6 +19767,45 @@
           </a:prstGeom>
         </p:spPr>
       </p:pic>
+      <p:sp>
+        <p:nvSpPr>
+          <p:cNvPr id="3" name="TextBox 2">
+            <a:extLst>
+              <a:ext uri="{FF2B5EF4-FFF2-40B4-BE49-F238E27FC236}">
+                <a16:creationId xmlns:a16="http://schemas.microsoft.com/office/drawing/2014/main" id="{DBBF06EE-298A-44AA-B264-C03EC69DE209}"/>
+              </a:ext>
+            </a:extLst>
+          </p:cNvPr>
+          <p:cNvSpPr txBox="1"/>
+          <p:nvPr/>
+        </p:nvSpPr>
+        <p:spPr>
+          <a:xfrm>
+            <a:off x="1763688" y="980728"/>
+            <a:ext cx="4824536" cy="369332"/>
+          </a:xfrm>
+          <a:prstGeom prst="rect">
+            <a:avLst/>
+          </a:prstGeom>
+          <a:noFill/>
+        </p:spPr>
+        <p:txBody>
+          <a:bodyPr wrap="square" rtlCol="0">
+            <a:spAutoFit/>
+          </a:bodyPr>
+          <a:lstStyle/>
+          <a:p>
+            <a:r>
+              <a:rPr lang="en-US" dirty="0">
+                <a:solidFill>
+                  <a:schemeClr val="bg1"/>
+                </a:solidFill>
+              </a:rPr>
+              <a:t>                Play Framework Display   </a:t>
+            </a:r>
+          </a:p>
+        </p:txBody>
+      </p:sp>
     </p:spTree>
     <p:extLst>
       <p:ext uri="{BB962C8B-B14F-4D97-AF65-F5344CB8AC3E}">
@@ -20395,8 +20388,18 @@
                 <a:ea typeface="Tahoma" panose="020B0604030504040204" pitchFamily="34" charset="0"/>
                 <a:cs typeface="Tahoma" panose="020B0604030504040204" pitchFamily="34" charset="0"/>
               </a:rPr>
-              <a:t>We had a target of 4/7(day/day) accuracy. We ended up having model with 61% accuracy.</a:t>
+              <a:t>We had a target of 4/7(day/day) accuracy. We ended up having model with 61% accuracy. </a:t>
             </a:r>
+          </a:p>
+          <a:p>
+            <a:pPr marL="0" indent="0">
+              <a:buNone/>
+            </a:pPr>
+            <a:endParaRPr lang="en-US" altLang="zh-CN" b="1" dirty="0">
+              <a:latin typeface="Tahoma" panose="020B0604030504040204" pitchFamily="34" charset="0"/>
+              <a:ea typeface="Tahoma" panose="020B0604030504040204" pitchFamily="34" charset="0"/>
+              <a:cs typeface="Tahoma" panose="020B0604030504040204" pitchFamily="34" charset="0"/>
+            </a:endParaRPr>
           </a:p>
           <a:p>
             <a:r>
@@ -20445,7 +20448,7 @@
                 <a:ea typeface="Tahoma" panose="020B0604030504040204" pitchFamily="34" charset="0"/>
                 <a:cs typeface="Tahoma" panose="020B0604030504040204" pitchFamily="34" charset="0"/>
               </a:rPr>
-              <a:t> of 20 but we ended up achieving a RMSE of 3 for temperature and  7 for pressure.</a:t>
+              <a:t> of 20 but we ended up achieving a RMSE of 3 for temperature and  7 for pressure. </a:t>
             </a:r>
           </a:p>
           <a:p>
@@ -20459,6 +20462,66 @@
           </a:p>
         </p:txBody>
       </p:sp>
+      <p:pic>
+        <p:nvPicPr>
+          <p:cNvPr id="5" name="Picture 4">
+            <a:extLst>
+              <a:ext uri="{FF2B5EF4-FFF2-40B4-BE49-F238E27FC236}">
+                <a16:creationId xmlns:a16="http://schemas.microsoft.com/office/drawing/2014/main" id="{CBBBE2D1-5290-40E8-ABA5-611246B6CA4E}"/>
+              </a:ext>
+            </a:extLst>
+          </p:cNvPr>
+          <p:cNvPicPr>
+            <a:picLocks noChangeAspect="1"/>
+          </p:cNvPicPr>
+          <p:nvPr/>
+        </p:nvPicPr>
+        <p:blipFill>
+          <a:blip r:embed="rId2"/>
+          <a:stretch>
+            <a:fillRect/>
+          </a:stretch>
+        </p:blipFill>
+        <p:spPr>
+          <a:xfrm>
+            <a:off x="5292080" y="2780928"/>
+            <a:ext cx="631701" cy="518137"/>
+          </a:xfrm>
+          <a:prstGeom prst="rect">
+            <a:avLst/>
+          </a:prstGeom>
+        </p:spPr>
+      </p:pic>
+      <p:pic>
+        <p:nvPicPr>
+          <p:cNvPr id="6" name="Picture 5">
+            <a:extLst>
+              <a:ext uri="{FF2B5EF4-FFF2-40B4-BE49-F238E27FC236}">
+                <a16:creationId xmlns:a16="http://schemas.microsoft.com/office/drawing/2014/main" id="{EBD7586E-3962-4433-A1B3-A485AD59BA8C}"/>
+              </a:ext>
+            </a:extLst>
+          </p:cNvPr>
+          <p:cNvPicPr>
+            <a:picLocks noChangeAspect="1"/>
+          </p:cNvPicPr>
+          <p:nvPr/>
+        </p:nvPicPr>
+        <p:blipFill>
+          <a:blip r:embed="rId2"/>
+          <a:stretch>
+            <a:fillRect/>
+          </a:stretch>
+        </p:blipFill>
+        <p:spPr>
+          <a:xfrm>
+            <a:off x="2411760" y="4149080"/>
+            <a:ext cx="703709" cy="577200"/>
+          </a:xfrm>
+          <a:prstGeom prst="rect">
+            <a:avLst/>
+          </a:prstGeom>
+        </p:spPr>
+      </p:pic>
     </p:spTree>
   </p:cSld>
   <p:clrMapOvr>
@@ -23097,16 +23160,6 @@
                 <a:ea typeface="Tahoma" panose="020B0604030504040204" pitchFamily="34" charset="0"/>
                 <a:cs typeface="Tahoma" panose="020B0604030504040204" pitchFamily="34" charset="0"/>
               </a:rPr>
-              <a:t>Using python to get the data which we want to get</a:t>
-            </a:r>
-          </a:p>
-          <a:p>
-            <a:r>
-              <a:rPr lang="en-US" b="1" dirty="0">
-                <a:latin typeface="Tahoma" panose="020B0604030504040204" pitchFamily="34" charset="0"/>
-                <a:ea typeface="Tahoma" panose="020B0604030504040204" pitchFamily="34" charset="0"/>
-                <a:cs typeface="Tahoma" panose="020B0604030504040204" pitchFamily="34" charset="0"/>
-              </a:rPr>
               <a:t>3700 record dataset containing weather information of London city</a:t>
             </a:r>
           </a:p>
@@ -23140,8 +23193,8 @@
         </p:blipFill>
         <p:spPr>
           <a:xfrm>
-            <a:off x="873510" y="4941168"/>
-            <a:ext cx="7247248" cy="1556792"/>
+            <a:off x="1043608" y="4077072"/>
+            <a:ext cx="7247248" cy="2420888"/>
           </a:xfrm>
           <a:prstGeom prst="rect">
             <a:avLst/>
@@ -23669,12 +23722,24 @@
         <p:spPr>
           <a:xfrm>
             <a:off x="864382" y="2489200"/>
-            <a:ext cx="7740066" cy="3530600"/>
+            <a:ext cx="7740066" cy="4036144"/>
           </a:xfrm>
         </p:spPr>
         <p:txBody>
-          <a:bodyPr/>
+          <a:bodyPr>
+            <a:normAutofit/>
+          </a:bodyPr>
           <a:lstStyle/>
+          <a:p>
+            <a:r>
+              <a:rPr lang="en-US" altLang="zh-CN" b="1" dirty="0">
+                <a:latin typeface="Tahoma" panose="020B0604030504040204" pitchFamily="34" charset="0"/>
+                <a:ea typeface="Tahoma" panose="020B0604030504040204" pitchFamily="34" charset="0"/>
+                <a:cs typeface="Tahoma" panose="020B0604030504040204" pitchFamily="34" charset="0"/>
+              </a:rPr>
+              <a:t>Data extraction part was done in Python.</a:t>
+            </a:r>
+          </a:p>
           <a:p>
             <a:r>
               <a:rPr lang="en-US" altLang="zh-CN" b="1" dirty="0">
@@ -23769,9 +23834,13 @@
             </a:pPr>
             <a:r>
               <a:rPr lang="en-US" altLang="zh-CN" dirty="0"/>
-              <a:t>	https://github.com/001239511ShuangShuangXu/csye7200-spring2018-group9</a:t>
+              <a:t>	</a:t>
             </a:r>
-            <a:endParaRPr lang="zh-CN" altLang="en-US" dirty="0"/>
+            <a:r>
+              <a:rPr lang="en-US" altLang="zh-CN" u="sng" dirty="0"/>
+              <a:t>https://github.com/001239511ShuangShuangXu/csye7200-spring2018-group9 </a:t>
+            </a:r>
+            <a:endParaRPr lang="zh-CN" altLang="en-US" u="sng" dirty="0"/>
           </a:p>
         </p:txBody>
       </p:sp>
